--- a/bash/slides/ppt/04 - Bash Comandi.pptx
+++ b/bash/slides/ppt/04 - Bash Comandi.pptx
@@ -17,7 +17,7 @@
     <p:sldId id="427" r:id="rId8"/>
     <p:sldId id="425" r:id="rId9"/>
   </p:sldIdLst>
-  <p:sldSz cx="9144000" cy="6858000" type="screen4x3"/>
+  <p:sldSz cx="12192000" cy="6858000"/>
   <p:notesSz cx="6858000" cy="9144000"/>
   <p:defaultTextStyle>
     <a:defPPr>
@@ -122,7 +122,7 @@
             <a:srgbClr val="A4A3A4"/>
           </p15:clr>
         </p15:guide>
-        <p15:guide id="2" pos="2880" userDrawn="1">
+        <p15:guide id="2" pos="3840" userDrawn="1">
           <p15:clr>
             <a:srgbClr val="A4A3A4"/>
           </p15:clr>
@@ -216,7 +216,7 @@
             <a:fld id="{BAEB7694-8561-4BE2-948D-EDF7A201F8BB}" type="datetimeFigureOut">
               <a:rPr lang="it-IT" smtClean="0"/>
               <a:pPr/>
-              <a:t>25/09/21</a:t>
+              <a:t>07/02/22</a:t>
             </a:fld>
             <a:endParaRPr lang="it-IT"/>
           </a:p>
@@ -234,8 +234,8 @@
         </p:nvSpPr>
         <p:spPr>
           <a:xfrm>
-            <a:off x="1143000" y="685800"/>
-            <a:ext cx="4572000" cy="3429000"/>
+            <a:off x="381000" y="685800"/>
+            <a:ext cx="6096000" cy="3429000"/>
           </a:xfrm>
           <a:prstGeom prst="rect">
             <a:avLst/>
@@ -515,8 +515,8 @@
         </p:nvSpPr>
         <p:spPr>
           <a:xfrm>
-            <a:off x="685800" y="2130427"/>
-            <a:ext cx="7772400" cy="1470025"/>
+            <a:off x="914400" y="2130428"/>
+            <a:ext cx="10363200" cy="1470025"/>
           </a:xfrm>
         </p:spPr>
         <p:txBody>
@@ -543,8 +543,8 @@
         </p:nvSpPr>
         <p:spPr>
           <a:xfrm>
-            <a:off x="1371600" y="3886200"/>
-            <a:ext cx="6400800" cy="1752600"/>
+            <a:off x="1828800" y="3886200"/>
+            <a:ext cx="8534400" cy="1752600"/>
           </a:xfrm>
         </p:spPr>
         <p:txBody>
@@ -662,8 +662,8 @@
         </p:nvSpPr>
         <p:spPr>
           <a:xfrm>
-            <a:off x="3836610" y="6362702"/>
-            <a:ext cx="4850191" cy="365125"/>
+            <a:off x="5115481" y="6362703"/>
+            <a:ext cx="6466921" cy="365125"/>
           </a:xfrm>
           <a:prstGeom prst="rect">
             <a:avLst/>
@@ -690,8 +690,8 @@
         </p:nvCxnSpPr>
         <p:spPr>
           <a:xfrm flipV="1">
-            <a:off x="457200" y="3600450"/>
-            <a:ext cx="8686800" cy="2"/>
+            <a:off x="609600" y="3600450"/>
+            <a:ext cx="11582400" cy="2"/>
           </a:xfrm>
           <a:prstGeom prst="line">
             <a:avLst/>
@@ -844,8 +844,8 @@
         </p:nvSpPr>
         <p:spPr>
           <a:xfrm>
-            <a:off x="3836610" y="6362702"/>
-            <a:ext cx="4850191" cy="365125"/>
+            <a:off x="5115481" y="6362703"/>
+            <a:ext cx="6466921" cy="365125"/>
           </a:xfrm>
           <a:prstGeom prst="rect">
             <a:avLst/>
@@ -872,8 +872,8 @@
         </p:nvCxnSpPr>
         <p:spPr>
           <a:xfrm flipV="1">
-            <a:off x="457200" y="1388917"/>
-            <a:ext cx="8686800" cy="2"/>
+            <a:off x="609600" y="1388917"/>
+            <a:ext cx="11582400" cy="2"/>
           </a:xfrm>
           <a:prstGeom prst="line">
             <a:avLst/>
@@ -951,8 +951,8 @@
         </p:nvSpPr>
         <p:spPr>
           <a:xfrm>
-            <a:off x="6629400" y="274640"/>
-            <a:ext cx="2057400" cy="5851525"/>
+            <a:off x="8839200" y="274641"/>
+            <a:ext cx="2743200" cy="5851525"/>
           </a:xfrm>
         </p:spPr>
         <p:txBody>
@@ -979,8 +979,8 @@
         </p:nvSpPr>
         <p:spPr>
           <a:xfrm>
-            <a:off x="457200" y="274640"/>
-            <a:ext cx="6019800" cy="5851525"/>
+            <a:off x="609600" y="274641"/>
+            <a:ext cx="8026400" cy="5851525"/>
           </a:xfrm>
         </p:spPr>
         <p:txBody>
@@ -1036,8 +1036,8 @@
         </p:nvSpPr>
         <p:spPr>
           <a:xfrm>
-            <a:off x="3836610" y="6362702"/>
-            <a:ext cx="4850191" cy="365125"/>
+            <a:off x="5115481" y="6362703"/>
+            <a:ext cx="6466921" cy="365125"/>
           </a:xfrm>
           <a:prstGeom prst="rect">
             <a:avLst/>
@@ -1170,8 +1170,8 @@
         </p:nvCxnSpPr>
         <p:spPr>
           <a:xfrm flipV="1">
-            <a:off x="457200" y="1388917"/>
-            <a:ext cx="8686800" cy="2"/>
+            <a:off x="609600" y="1388917"/>
+            <a:ext cx="11582400" cy="2"/>
           </a:xfrm>
           <a:prstGeom prst="line">
             <a:avLst/>
@@ -1224,8 +1224,8 @@
         </p:nvSpPr>
         <p:spPr>
           <a:xfrm>
-            <a:off x="3836610" y="6362702"/>
-            <a:ext cx="4850191" cy="365125"/>
+            <a:off x="5115481" y="6362703"/>
+            <a:ext cx="6466921" cy="365125"/>
           </a:xfrm>
           <a:prstGeom prst="rect">
             <a:avLst/>
@@ -1287,8 +1287,8 @@
         </p:nvSpPr>
         <p:spPr>
           <a:xfrm>
-            <a:off x="722313" y="4406902"/>
-            <a:ext cx="7772400" cy="1362075"/>
+            <a:off x="963084" y="4406903"/>
+            <a:ext cx="10363200" cy="1362075"/>
           </a:xfrm>
         </p:spPr>
         <p:txBody>
@@ -1319,8 +1319,8 @@
         </p:nvSpPr>
         <p:spPr>
           <a:xfrm>
-            <a:off x="722313" y="2906713"/>
-            <a:ext cx="7772400" cy="1500187"/>
+            <a:off x="963084" y="2906713"/>
+            <a:ext cx="10363200" cy="1500187"/>
           </a:xfrm>
         </p:spPr>
         <p:txBody>
@@ -1438,8 +1438,8 @@
         </p:nvSpPr>
         <p:spPr>
           <a:xfrm>
-            <a:off x="3836610" y="6362702"/>
-            <a:ext cx="4850191" cy="365125"/>
+            <a:off x="5115481" y="6362703"/>
+            <a:ext cx="6466921" cy="365125"/>
           </a:xfrm>
           <a:prstGeom prst="rect">
             <a:avLst/>
@@ -1466,8 +1466,8 @@
         </p:nvCxnSpPr>
         <p:spPr>
           <a:xfrm flipV="1">
-            <a:off x="722314" y="4406900"/>
-            <a:ext cx="8421687" cy="2"/>
+            <a:off x="963086" y="4406900"/>
+            <a:ext cx="11228916" cy="2"/>
           </a:xfrm>
           <a:prstGeom prst="line">
             <a:avLst/>
@@ -1568,8 +1568,8 @@
         </p:nvSpPr>
         <p:spPr>
           <a:xfrm>
-            <a:off x="457200" y="1600202"/>
-            <a:ext cx="4038600" cy="4525963"/>
+            <a:off x="609600" y="1600203"/>
+            <a:ext cx="5384800" cy="4525963"/>
           </a:xfrm>
         </p:spPr>
         <p:txBody>
@@ -1653,8 +1653,8 @@
         </p:nvSpPr>
         <p:spPr>
           <a:xfrm>
-            <a:off x="4648200" y="1600202"/>
-            <a:ext cx="4038600" cy="4525963"/>
+            <a:off x="6197600" y="1600203"/>
+            <a:ext cx="5384800" cy="4525963"/>
           </a:xfrm>
         </p:spPr>
         <p:txBody>
@@ -1738,8 +1738,8 @@
         </p:nvSpPr>
         <p:spPr>
           <a:xfrm>
-            <a:off x="3836610" y="6362702"/>
-            <a:ext cx="4850191" cy="365125"/>
+            <a:off x="5115481" y="6362703"/>
+            <a:ext cx="6466921" cy="365125"/>
           </a:xfrm>
           <a:prstGeom prst="rect">
             <a:avLst/>
@@ -1766,8 +1766,8 @@
         </p:nvCxnSpPr>
         <p:spPr>
           <a:xfrm flipV="1">
-            <a:off x="457200" y="1388917"/>
-            <a:ext cx="8686800" cy="2"/>
+            <a:off x="609600" y="1388917"/>
+            <a:ext cx="11582400" cy="2"/>
           </a:xfrm>
           <a:prstGeom prst="line">
             <a:avLst/>
@@ -1872,8 +1872,8 @@
         </p:nvSpPr>
         <p:spPr>
           <a:xfrm>
-            <a:off x="457200" y="1535113"/>
-            <a:ext cx="4040188" cy="639762"/>
+            <a:off x="609600" y="1535113"/>
+            <a:ext cx="5386917" cy="639762"/>
           </a:xfrm>
         </p:spPr>
         <p:txBody>
@@ -1937,8 +1937,8 @@
         </p:nvSpPr>
         <p:spPr>
           <a:xfrm>
-            <a:off x="457200" y="2174875"/>
-            <a:ext cx="4040188" cy="3951288"/>
+            <a:off x="609600" y="2174875"/>
+            <a:ext cx="5386917" cy="3951288"/>
           </a:xfrm>
         </p:spPr>
         <p:txBody>
@@ -2022,8 +2022,8 @@
         </p:nvSpPr>
         <p:spPr>
           <a:xfrm>
-            <a:off x="4645026" y="1535113"/>
-            <a:ext cx="4041775" cy="639762"/>
+            <a:off x="6193369" y="1535113"/>
+            <a:ext cx="5389033" cy="639762"/>
           </a:xfrm>
         </p:spPr>
         <p:txBody>
@@ -2087,8 +2087,8 @@
         </p:nvSpPr>
         <p:spPr>
           <a:xfrm>
-            <a:off x="4645026" y="2174875"/>
-            <a:ext cx="4041775" cy="3951288"/>
+            <a:off x="6193369" y="2174875"/>
+            <a:ext cx="5389033" cy="3951288"/>
           </a:xfrm>
         </p:spPr>
         <p:txBody>
@@ -2172,8 +2172,8 @@
         </p:nvSpPr>
         <p:spPr>
           <a:xfrm>
-            <a:off x="3836610" y="6362702"/>
-            <a:ext cx="4850191" cy="365125"/>
+            <a:off x="5115481" y="6362703"/>
+            <a:ext cx="6466921" cy="365125"/>
           </a:xfrm>
           <a:prstGeom prst="rect">
             <a:avLst/>
@@ -2200,8 +2200,8 @@
         </p:nvCxnSpPr>
         <p:spPr>
           <a:xfrm flipV="1">
-            <a:off x="457200" y="1388917"/>
-            <a:ext cx="8686800" cy="2"/>
+            <a:off x="609600" y="1388917"/>
+            <a:ext cx="11582400" cy="2"/>
           </a:xfrm>
           <a:prstGeom prst="line">
             <a:avLst/>
@@ -2302,8 +2302,8 @@
         </p:nvSpPr>
         <p:spPr>
           <a:xfrm>
-            <a:off x="3836610" y="6362702"/>
-            <a:ext cx="4850191" cy="365125"/>
+            <a:off x="5115481" y="6362703"/>
+            <a:ext cx="6466921" cy="365125"/>
           </a:xfrm>
           <a:prstGeom prst="rect">
             <a:avLst/>
@@ -2330,8 +2330,8 @@
         </p:nvCxnSpPr>
         <p:spPr>
           <a:xfrm flipV="1">
-            <a:off x="457200" y="1388917"/>
-            <a:ext cx="8686800" cy="2"/>
+            <a:off x="609600" y="1388917"/>
+            <a:ext cx="11582400" cy="2"/>
           </a:xfrm>
           <a:prstGeom prst="line">
             <a:avLst/>
@@ -2409,8 +2409,8 @@
         </p:nvSpPr>
         <p:spPr>
           <a:xfrm>
-            <a:off x="3836610" y="6362702"/>
-            <a:ext cx="4850191" cy="365125"/>
+            <a:off x="5115481" y="6362703"/>
+            <a:ext cx="6466921" cy="365125"/>
           </a:xfrm>
           <a:prstGeom prst="rect">
             <a:avLst/>
@@ -2472,8 +2472,8 @@
         </p:nvSpPr>
         <p:spPr>
           <a:xfrm>
-            <a:off x="457201" y="273050"/>
-            <a:ext cx="3008313" cy="1162050"/>
+            <a:off x="609602" y="273050"/>
+            <a:ext cx="4011084" cy="1162050"/>
           </a:xfrm>
         </p:spPr>
         <p:txBody>
@@ -2504,8 +2504,8 @@
         </p:nvSpPr>
         <p:spPr>
           <a:xfrm>
-            <a:off x="3575050" y="273052"/>
-            <a:ext cx="5111750" cy="5853113"/>
+            <a:off x="4766733" y="273053"/>
+            <a:ext cx="6815667" cy="5853113"/>
           </a:xfrm>
         </p:spPr>
         <p:txBody>
@@ -2589,8 +2589,8 @@
         </p:nvSpPr>
         <p:spPr>
           <a:xfrm>
-            <a:off x="457201" y="1435102"/>
-            <a:ext cx="3008313" cy="4691063"/>
+            <a:off x="609602" y="1435103"/>
+            <a:ext cx="4011084" cy="4691063"/>
           </a:xfrm>
         </p:spPr>
         <p:txBody>
@@ -2654,8 +2654,8 @@
         </p:nvSpPr>
         <p:spPr>
           <a:xfrm>
-            <a:off x="3836610" y="6362702"/>
-            <a:ext cx="4850191" cy="365125"/>
+            <a:off x="5115481" y="6362703"/>
+            <a:ext cx="6466921" cy="365125"/>
           </a:xfrm>
           <a:prstGeom prst="rect">
             <a:avLst/>
@@ -2717,8 +2717,8 @@
         </p:nvSpPr>
         <p:spPr>
           <a:xfrm>
-            <a:off x="1792288" y="4800600"/>
-            <a:ext cx="5486400" cy="566738"/>
+            <a:off x="2389717" y="4800600"/>
+            <a:ext cx="7315200" cy="566738"/>
           </a:xfrm>
         </p:spPr>
         <p:txBody>
@@ -2749,8 +2749,8 @@
         </p:nvSpPr>
         <p:spPr>
           <a:xfrm>
-            <a:off x="1792288" y="612775"/>
-            <a:ext cx="5486400" cy="4114800"/>
+            <a:off x="2389717" y="612775"/>
+            <a:ext cx="7315200" cy="4114800"/>
           </a:xfrm>
         </p:spPr>
         <p:txBody>
@@ -2814,8 +2814,8 @@
         </p:nvSpPr>
         <p:spPr>
           <a:xfrm>
-            <a:off x="1792288" y="5367338"/>
-            <a:ext cx="5486400" cy="804862"/>
+            <a:off x="2389717" y="5367338"/>
+            <a:ext cx="7315200" cy="804862"/>
           </a:xfrm>
         </p:spPr>
         <p:txBody>
@@ -2879,8 +2879,8 @@
         </p:nvSpPr>
         <p:spPr>
           <a:xfrm>
-            <a:off x="3836610" y="6362702"/>
-            <a:ext cx="4850191" cy="365125"/>
+            <a:off x="5115481" y="6362703"/>
+            <a:ext cx="6466921" cy="365125"/>
           </a:xfrm>
           <a:prstGeom prst="rect">
             <a:avLst/>
@@ -2907,8 +2907,8 @@
         </p:nvCxnSpPr>
         <p:spPr>
           <a:xfrm flipV="1">
-            <a:off x="457200" y="4752218"/>
-            <a:ext cx="8686800" cy="2"/>
+            <a:off x="609600" y="4752218"/>
+            <a:ext cx="11582400" cy="2"/>
           </a:xfrm>
           <a:prstGeom prst="line">
             <a:avLst/>
@@ -2991,8 +2991,8 @@
         </p:nvSpPr>
         <p:spPr>
           <a:xfrm>
-            <a:off x="457200" y="274638"/>
-            <a:ext cx="8229600" cy="1143000"/>
+            <a:off x="609600" y="274638"/>
+            <a:ext cx="10972800" cy="1143000"/>
           </a:xfrm>
           <a:prstGeom prst="rect">
             <a:avLst/>
@@ -3024,8 +3024,8 @@
         </p:nvSpPr>
         <p:spPr>
           <a:xfrm>
-            <a:off x="457200" y="1600202"/>
-            <a:ext cx="8229600" cy="4525963"/>
+            <a:off x="609600" y="1600203"/>
+            <a:ext cx="10972800" cy="4525963"/>
           </a:xfrm>
           <a:prstGeom prst="rect">
             <a:avLst/>
@@ -3096,8 +3096,8 @@
         </p:blipFill>
         <p:spPr>
           <a:xfrm>
-            <a:off x="24192" y="5781975"/>
-            <a:ext cx="1667488" cy="1066800"/>
+            <a:off x="32257" y="5781975"/>
+            <a:ext cx="1887279" cy="1066800"/>
           </a:xfrm>
           <a:prstGeom prst="rect">
             <a:avLst/>
@@ -3122,8 +3122,8 @@
         </p:nvSpPr>
         <p:spPr>
           <a:xfrm>
-            <a:off x="3836610" y="6362702"/>
-            <a:ext cx="4850191" cy="365125"/>
+            <a:off x="5115481" y="6362703"/>
+            <a:ext cx="6466921" cy="365125"/>
           </a:xfrm>
           <a:prstGeom prst="rect">
             <a:avLst/>
@@ -3475,7 +3475,6 @@
           </a:bodyPr>
           <a:lstStyle/>
           <a:p>
-            <a:pPr algn="r"/>
             <a:r>
               <a:rPr lang="en-US" sz="1800" dirty="0" err="1"/>
               <a:t>Università</a:t>
@@ -3486,7 +3485,6 @@
             </a:r>
           </a:p>
           <a:p>
-            <a:pPr algn="r"/>
             <a:r>
               <a:rPr lang="en-US" sz="1800" i="1" dirty="0"/>
               <a:t>Prof. Nicola Bicocchi (</a:t>
@@ -3501,11 +3499,9 @@
             </a:r>
           </a:p>
           <a:p>
-            <a:pPr algn="r"/>
             <a:endParaRPr lang="en-US" sz="1800" dirty="0"/>
           </a:p>
           <a:p>
-            <a:pPr algn="r"/>
             <a:endParaRPr lang="it-IT" sz="1800" dirty="0"/>
           </a:p>
         </p:txBody>
@@ -3623,7 +3619,7 @@
             </a:r>
             <a:r>
               <a:rPr lang="en-GB" dirty="0" err="1"/>
-              <a:t>processi</a:t>
+              <a:t>utenti</a:t>
             </a:r>
             <a:endParaRPr lang="en-GB" dirty="0"/>
           </a:p>
@@ -3634,8 +3630,13 @@
             </a:r>
             <a:r>
               <a:rPr lang="en-GB" dirty="0"/>
-              <a:t> rete</a:t>
-            </a:r>
+              <a:t> </a:t>
+            </a:r>
+            <a:r>
+              <a:rPr lang="en-GB" dirty="0" err="1"/>
+              <a:t>processi</a:t>
+            </a:r>
+            <a:endParaRPr lang="en-GB" dirty="0"/>
           </a:p>
           <a:p>
             <a:r>
@@ -3644,46 +3645,18 @@
             </a:r>
             <a:r>
               <a:rPr lang="en-GB" dirty="0"/>
-              <a:t> </a:t>
-            </a:r>
+              <a:t> filesystem</a:t>
+            </a:r>
+          </a:p>
+          <a:p>
             <a:r>
               <a:rPr lang="en-GB" dirty="0" err="1"/>
-              <a:t>sistema</a:t>
-            </a:r>
-            <a:endParaRPr lang="en-GB" dirty="0"/>
-          </a:p>
-          <a:p>
-            <a:r>
-              <a:rPr lang="en-GB" dirty="0" err="1"/>
-              <a:t>Gestione</a:t>
+              <a:t>Filtri</a:t>
             </a:r>
             <a:r>
               <a:rPr lang="en-GB" dirty="0"/>
-              <a:t> </a:t>
-            </a:r>
-            <a:r>
-              <a:rPr lang="en-GB" dirty="0" err="1"/>
-              <a:t>utente</a:t>
-            </a:r>
-            <a:endParaRPr lang="en-GB" dirty="0"/>
-          </a:p>
-          <a:p>
-            <a:r>
-              <a:rPr lang="en-GB" dirty="0" err="1"/>
-              <a:t>Programmazione</a:t>
-            </a:r>
-            <a:endParaRPr lang="en-GB" dirty="0"/>
-          </a:p>
-          <a:p>
-            <a:r>
-              <a:rPr lang="en-GB" dirty="0"/>
-              <a:t>Editing di </a:t>
-            </a:r>
-            <a:r>
-              <a:rPr lang="en-GB" dirty="0" err="1"/>
-              <a:t>testi</a:t>
-            </a:r>
-            <a:endParaRPr lang="en-GB" dirty="0"/>
+              <a:t> Unix</a:t>
+            </a:r>
           </a:p>
           <a:p>
             <a:r>
